--- a/Proposal Presentation/Proposal presentation_V2.pptx
+++ b/Proposal Presentation/Proposal presentation_V2.pptx
@@ -691,7 +691,7 @@
             <a:fld id="{B56F32FC-4BD9-442A-A8C6-51598C909FE3}" type="datetimeFigureOut">
               <a:rPr lang="en-US" smtClean="0"/>
               <a:pPr/>
-              <a:t>7/2/2023</a:t>
+              <a:t>7/2/23</a:t>
             </a:fld>
             <a:endParaRPr lang="en-US" dirty="0"/>
           </a:p>
@@ -870,7 +870,7 @@
             <a:fld id="{056371FA-A98D-41E8-93F4-09945841298A}" type="datetimeFigureOut">
               <a:rPr lang="en-US" smtClean="0"/>
               <a:pPr/>
-              <a:t>7/2/2023</a:t>
+              <a:t>7/2/23</a:t>
             </a:fld>
             <a:endParaRPr lang="en-US" dirty="0"/>
           </a:p>
@@ -10464,7 +10464,7 @@
         <p:spPr>
           <a:xfrm>
             <a:off x="897622" y="1690688"/>
-            <a:ext cx="7986319" cy="2031325"/>
+            <a:ext cx="7986319" cy="2308324"/>
           </a:xfrm>
           <a:prstGeom prst="rect">
             <a:avLst/>
@@ -10614,6 +10614,40 @@
             <a:r>
               <a:rPr lang="nl-NL" dirty="0"/>
               <a:t>?</a:t>
+            </a:r>
+          </a:p>
+          <a:p>
+            <a:pPr marL="285750" indent="-285750">
+              <a:buFont typeface="Arial" panose="020B0604020202020204" pitchFamily="34" charset="0"/>
+              <a:buChar char="•"/>
+            </a:pPr>
+            <a:r>
+              <a:rPr lang="nl-NL" dirty="0" err="1"/>
+              <a:t>What</a:t>
+            </a:r>
+            <a:r>
+              <a:rPr lang="nl-NL" dirty="0"/>
+              <a:t> is </a:t>
+            </a:r>
+            <a:r>
+              <a:rPr lang="nl-NL" dirty="0" err="1"/>
+              <a:t>the</a:t>
+            </a:r>
+            <a:r>
+              <a:rPr lang="nl-NL" dirty="0"/>
+              <a:t> </a:t>
+            </a:r>
+            <a:r>
+              <a:rPr lang="nl-NL" dirty="0" err="1"/>
+              <a:t>optimal</a:t>
+            </a:r>
+            <a:r>
+              <a:rPr lang="nl-NL"/>
+              <a:t> </a:t>
+            </a:r>
+            <a:r>
+              <a:rPr lang="nl-NL" dirty="0"/>
+              <a:t>forecast horizon?</a:t>
             </a:r>
           </a:p>
         </p:txBody>
@@ -10832,7 +10866,7 @@
         <p:spPr>
           <a:xfrm>
             <a:off x="838200" y="1366163"/>
-            <a:ext cx="7986319" cy="5909310"/>
+            <a:ext cx="7986319" cy="6186309"/>
           </a:xfrm>
           <a:prstGeom prst="rect">
             <a:avLst/>
@@ -11143,8 +11177,40 @@
             </a:pPr>
             <a:r>
               <a:rPr lang="nl-NL" dirty="0"/>
-              <a:t>Random Forest/Logistic Regression</a:t>
-            </a:r>
+              <a:t>Random Forest/</a:t>
+            </a:r>
+            <a:r>
+              <a:rPr lang="nl-NL" dirty="0" err="1"/>
+              <a:t>Logistic</a:t>
+            </a:r>
+            <a:r>
+              <a:rPr lang="nl-NL" dirty="0"/>
+              <a:t> </a:t>
+            </a:r>
+            <a:r>
+              <a:rPr lang="nl-NL" dirty="0" err="1"/>
+              <a:t>Regression</a:t>
+            </a:r>
+            <a:endParaRPr lang="nl-NL" dirty="0"/>
+          </a:p>
+          <a:p>
+            <a:pPr marL="1200150" lvl="2" indent="-285750">
+              <a:buFont typeface="Arial" panose="020B0604020202020204" pitchFamily="34" charset="0"/>
+              <a:buChar char="•"/>
+            </a:pPr>
+            <a:r>
+              <a:rPr lang="nl-NL" dirty="0" err="1"/>
+              <a:t>Deep</a:t>
+            </a:r>
+            <a:r>
+              <a:rPr lang="nl-NL" dirty="0"/>
+              <a:t> </a:t>
+            </a:r>
+            <a:r>
+              <a:rPr lang="nl-NL" dirty="0" err="1"/>
+              <a:t>learning</a:t>
+            </a:r>
+            <a:endParaRPr lang="nl-NL" dirty="0"/>
           </a:p>
           <a:p>
             <a:pPr marL="1200150" lvl="2" indent="-285750">
@@ -11469,7 +11535,7 @@
         <p:spPr>
           <a:xfrm>
             <a:off x="897622" y="1690688"/>
-            <a:ext cx="7986319" cy="3139321"/>
+            <a:ext cx="7986319" cy="4247317"/>
           </a:xfrm>
           <a:prstGeom prst="rect">
             <a:avLst/>
@@ -11819,6 +11885,163 @@
               <a:t>prtices</a:t>
             </a:r>
             <a:endParaRPr lang="nl-NL" dirty="0"/>
+          </a:p>
+          <a:p>
+            <a:pPr marL="285750" indent="-285750">
+              <a:buFont typeface="Arial" panose="020B0604020202020204" pitchFamily="34" charset="0"/>
+              <a:buChar char="•"/>
+            </a:pPr>
+            <a:endParaRPr lang="nl-NL" dirty="0"/>
+          </a:p>
+          <a:p>
+            <a:pPr marL="285750" indent="-285750">
+              <a:buFont typeface="Arial" panose="020B0604020202020204" pitchFamily="34" charset="0"/>
+              <a:buChar char="•"/>
+            </a:pPr>
+            <a:r>
+              <a:rPr lang="nl-NL" dirty="0" err="1"/>
+              <a:t>Mid</a:t>
+            </a:r>
+            <a:r>
+              <a:rPr lang="nl-NL" dirty="0"/>
+              <a:t> </a:t>
+            </a:r>
+            <a:r>
+              <a:rPr lang="nl-NL" dirty="0" err="1"/>
+              <a:t>to</a:t>
+            </a:r>
+            <a:r>
+              <a:rPr lang="nl-NL" dirty="0"/>
+              <a:t> long term </a:t>
+            </a:r>
+            <a:r>
+              <a:rPr lang="nl-NL" dirty="0" err="1"/>
+              <a:t>forecasting</a:t>
+            </a:r>
+            <a:r>
+              <a:rPr lang="nl-NL" dirty="0"/>
+              <a:t> </a:t>
+            </a:r>
+            <a:r>
+              <a:rPr lang="nl-NL" dirty="0" err="1"/>
+              <a:t>accuracy</a:t>
+            </a:r>
+            <a:r>
+              <a:rPr lang="nl-NL" dirty="0"/>
+              <a:t> benefits </a:t>
+            </a:r>
+            <a:r>
+              <a:rPr lang="nl-NL" dirty="0" err="1"/>
+              <a:t>from</a:t>
+            </a:r>
+            <a:r>
+              <a:rPr lang="nl-NL" dirty="0"/>
+              <a:t> multivariate </a:t>
+            </a:r>
+            <a:r>
+              <a:rPr lang="nl-NL" dirty="0" err="1"/>
+              <a:t>models</a:t>
+            </a:r>
+            <a:r>
+              <a:rPr lang="nl-NL" dirty="0"/>
+              <a:t>, ‘</a:t>
+            </a:r>
+            <a:r>
+              <a:rPr lang="nl-NL" dirty="0" err="1"/>
+              <a:t>Climate</a:t>
+            </a:r>
+            <a:r>
+              <a:rPr lang="nl-NL" dirty="0"/>
+              <a:t> </a:t>
+            </a:r>
+            <a:r>
+              <a:rPr lang="nl-NL" dirty="0" err="1"/>
+              <a:t>and</a:t>
+            </a:r>
+            <a:r>
+              <a:rPr lang="nl-NL" dirty="0"/>
+              <a:t> </a:t>
+            </a:r>
+            <a:r>
+              <a:rPr lang="nl-NL" dirty="0" err="1"/>
+              <a:t>environmental</a:t>
+            </a:r>
+            <a:r>
+              <a:rPr lang="nl-NL" dirty="0"/>
+              <a:t> data </a:t>
+            </a:r>
+            <a:r>
+              <a:rPr lang="nl-NL" dirty="0" err="1"/>
+              <a:t>contribute</a:t>
+            </a:r>
+            <a:r>
+              <a:rPr lang="nl-NL" dirty="0"/>
+              <a:t> </a:t>
+            </a:r>
+            <a:r>
+              <a:rPr lang="nl-NL" dirty="0" err="1"/>
+              <a:t>to</a:t>
+            </a:r>
+            <a:r>
+              <a:rPr lang="nl-NL" dirty="0"/>
+              <a:t> </a:t>
+            </a:r>
+            <a:r>
+              <a:rPr lang="nl-NL" dirty="0" err="1"/>
+              <a:t>the</a:t>
+            </a:r>
+            <a:r>
+              <a:rPr lang="nl-NL" dirty="0"/>
+              <a:t> </a:t>
+            </a:r>
+            <a:r>
+              <a:rPr lang="nl-NL" dirty="0" err="1"/>
+              <a:t>prediction</a:t>
+            </a:r>
+            <a:r>
+              <a:rPr lang="nl-NL" dirty="0"/>
+              <a:t> of </a:t>
+            </a:r>
+            <a:r>
+              <a:rPr lang="nl-NL" dirty="0" err="1"/>
+              <a:t>grain</a:t>
+            </a:r>
+            <a:r>
+              <a:rPr lang="nl-NL" dirty="0"/>
+              <a:t> commodity </a:t>
+            </a:r>
+            <a:r>
+              <a:rPr lang="nl-NL" dirty="0" err="1"/>
+              <a:t>prices</a:t>
+            </a:r>
+            <a:r>
+              <a:rPr lang="nl-NL" dirty="0"/>
+              <a:t> </a:t>
+            </a:r>
+            <a:r>
+              <a:rPr lang="nl-NL" dirty="0" err="1"/>
+              <a:t>using</a:t>
+            </a:r>
+            <a:r>
+              <a:rPr lang="nl-NL" dirty="0"/>
+              <a:t> </a:t>
+            </a:r>
+            <a:r>
+              <a:rPr lang="nl-NL" dirty="0" err="1"/>
+              <a:t>deep</a:t>
+            </a:r>
+            <a:r>
+              <a:rPr lang="nl-NL" dirty="0"/>
+              <a:t> </a:t>
+            </a:r>
+            <a:r>
+              <a:rPr lang="nl-NL" dirty="0" err="1"/>
+              <a:t>learning</a:t>
+            </a:r>
+            <a:r>
+              <a:rPr lang="nl-NL" dirty="0"/>
+              <a:t>’</a:t>
+            </a:r>
           </a:p>
           <a:p>
             <a:pPr marL="1200150" lvl="2" indent="-285750">
@@ -12610,7 +12833,7 @@
         <p:spPr>
           <a:xfrm>
             <a:off x="897622" y="1690688"/>
-            <a:ext cx="7986319" cy="5078313"/>
+            <a:ext cx="7986319" cy="5355312"/>
           </a:xfrm>
           <a:prstGeom prst="rect">
             <a:avLst/>
@@ -12816,13 +13039,121 @@
               </a:rPr>
               <a:t>Can you predict commodity stocks using a weather forecast? | by I. Colbert | Medium</a:t>
             </a:r>
-            <a:endParaRPr lang="nl-NL" dirty="0"/>
-          </a:p>
-          <a:p>
-            <a:pPr marL="1200150" lvl="2" indent="-285750">
+            <a:endParaRPr lang="en-US" dirty="0"/>
+          </a:p>
+          <a:p>
+            <a:pPr marL="742950" lvl="1" indent="-285750">
               <a:buFont typeface="Arial" panose="020B0604020202020204" pitchFamily="34" charset="0"/>
               <a:buChar char="•"/>
             </a:pPr>
+            <a:r>
+              <a:rPr lang="nl-NL" dirty="0">
+                <a:hlinkClick r:id="rId7"/>
+              </a:rPr>
+              <a:t>Climate and environmental data </a:t>
+            </a:r>
+            <a:r>
+              <a:rPr lang="nl-NL" dirty="0" err="1">
+                <a:hlinkClick r:id="rId7"/>
+              </a:rPr>
+              <a:t>contribute</a:t>
+            </a:r>
+            <a:r>
+              <a:rPr lang="nl-NL" dirty="0">
+                <a:hlinkClick r:id="rId7"/>
+              </a:rPr>
+              <a:t> </a:t>
+            </a:r>
+            <a:r>
+              <a:rPr lang="nl-NL" dirty="0" err="1">
+                <a:hlinkClick r:id="rId7"/>
+              </a:rPr>
+              <a:t>to</a:t>
+            </a:r>
+            <a:r>
+              <a:rPr lang="nl-NL" dirty="0">
+                <a:hlinkClick r:id="rId7"/>
+              </a:rPr>
+              <a:t> </a:t>
+            </a:r>
+            <a:r>
+              <a:rPr lang="nl-NL" dirty="0" err="1">
+                <a:hlinkClick r:id="rId7"/>
+              </a:rPr>
+              <a:t>the</a:t>
+            </a:r>
+            <a:r>
+              <a:rPr lang="nl-NL" dirty="0">
+                <a:hlinkClick r:id="rId7"/>
+              </a:rPr>
+              <a:t> </a:t>
+            </a:r>
+            <a:r>
+              <a:rPr lang="nl-NL" dirty="0" err="1">
+                <a:hlinkClick r:id="rId7"/>
+              </a:rPr>
+              <a:t>prediction</a:t>
+            </a:r>
+            <a:r>
+              <a:rPr lang="nl-NL" dirty="0">
+                <a:hlinkClick r:id="rId7"/>
+              </a:rPr>
+              <a:t> of </a:t>
+            </a:r>
+            <a:r>
+              <a:rPr lang="nl-NL" dirty="0" err="1">
+                <a:hlinkClick r:id="rId7"/>
+              </a:rPr>
+              <a:t>grain</a:t>
+            </a:r>
+            <a:r>
+              <a:rPr lang="nl-NL" dirty="0">
+                <a:hlinkClick r:id="rId7"/>
+              </a:rPr>
+              <a:t> commodity </a:t>
+            </a:r>
+            <a:r>
+              <a:rPr lang="nl-NL" dirty="0" err="1">
+                <a:hlinkClick r:id="rId7"/>
+              </a:rPr>
+              <a:t>prices</a:t>
+            </a:r>
+            <a:r>
+              <a:rPr lang="nl-NL" dirty="0">
+                <a:hlinkClick r:id="rId7"/>
+              </a:rPr>
+              <a:t> </a:t>
+            </a:r>
+            <a:r>
+              <a:rPr lang="nl-NL" dirty="0" err="1">
+                <a:hlinkClick r:id="rId7"/>
+              </a:rPr>
+              <a:t>using</a:t>
+            </a:r>
+            <a:r>
+              <a:rPr lang="nl-NL" dirty="0">
+                <a:hlinkClick r:id="rId7"/>
+              </a:rPr>
+              <a:t> </a:t>
+            </a:r>
+            <a:r>
+              <a:rPr lang="nl-NL" dirty="0" err="1">
+                <a:hlinkClick r:id="rId7"/>
+              </a:rPr>
+              <a:t>deep</a:t>
+            </a:r>
+            <a:r>
+              <a:rPr lang="nl-NL" dirty="0">
+                <a:hlinkClick r:id="rId7"/>
+              </a:rPr>
+              <a:t> </a:t>
+            </a:r>
+            <a:r>
+              <a:rPr lang="nl-NL" dirty="0" err="1">
+                <a:hlinkClick r:id="rId7"/>
+              </a:rPr>
+              <a:t>learning</a:t>
+            </a:r>
             <a:endParaRPr lang="nl-NL" dirty="0"/>
           </a:p>
           <a:p>
@@ -13643,22 +13974,12 @@
 </file>
 
 <file path=customXml/item1.xml><?xml version="1.0" encoding="utf-8"?>
-<p:properties xmlns:p="http://schemas.microsoft.com/office/2006/metadata/properties" xmlns:xsi="http://www.w3.org/2001/XMLSchema-instance" xmlns:pc="http://schemas.microsoft.com/office/infopath/2007/PartnerControls">
-  <documentManagement>
-    <_ip_UnifiedCompliancePolicyUIAction xmlns="http://schemas.microsoft.com/sharepoint/v3" xsi:nil="true"/>
-    <Image xmlns="71af3243-3dd4-4a8d-8c0d-dd76da1f02a5">
-      <Url xsi:nil="true"/>
-      <Description xsi:nil="true"/>
-    </Image>
-    <Status xmlns="71af3243-3dd4-4a8d-8c0d-dd76da1f02a5">Not started</Status>
-    <_ip_UnifiedCompliancePolicyProperties xmlns="http://schemas.microsoft.com/sharepoint/v3" xsi:nil="true"/>
-    <ImageTagsTaxHTField xmlns="71af3243-3dd4-4a8d-8c0d-dd76da1f02a5">
-      <Terms xmlns="http://schemas.microsoft.com/office/infopath/2007/PartnerControls"/>
-    </ImageTagsTaxHTField>
-    <TaxCatchAll xmlns="230e9df3-be65-4c73-a93b-d1236ebd677e"/>
-    <MediaServiceKeyPoints xmlns="71af3243-3dd4-4a8d-8c0d-dd76da1f02a5" xsi:nil="true"/>
-  </documentManagement>
-</p:properties>
+<?mso-contentType ?>
+<FormTemplates xmlns="http://schemas.microsoft.com/sharepoint/v3/contenttype/forms">
+  <Display>DocumentLibraryForm</Display>
+  <Edit>DocumentLibraryForm</Edit>
+  <New>DocumentLibraryForm</New>
+</FormTemplates>
 </file>
 
 <file path=customXml/item2.xml><?xml version="1.0" encoding="utf-8"?>
@@ -13938,22 +14259,28 @@
 </file>
 
 <file path=customXml/item3.xml><?xml version="1.0" encoding="utf-8"?>
-<?mso-contentType ?>
-<FormTemplates xmlns="http://schemas.microsoft.com/sharepoint/v3/contenttype/forms">
-  <Display>DocumentLibraryForm</Display>
-  <Edit>DocumentLibraryForm</Edit>
-  <New>DocumentLibraryForm</New>
-</FormTemplates>
+<p:properties xmlns:p="http://schemas.microsoft.com/office/2006/metadata/properties" xmlns:xsi="http://www.w3.org/2001/XMLSchema-instance" xmlns:pc="http://schemas.microsoft.com/office/infopath/2007/PartnerControls">
+  <documentManagement>
+    <_ip_UnifiedCompliancePolicyUIAction xmlns="http://schemas.microsoft.com/sharepoint/v3" xsi:nil="true"/>
+    <Image xmlns="71af3243-3dd4-4a8d-8c0d-dd76da1f02a5">
+      <Url xsi:nil="true"/>
+      <Description xsi:nil="true"/>
+    </Image>
+    <Status xmlns="71af3243-3dd4-4a8d-8c0d-dd76da1f02a5">Not started</Status>
+    <_ip_UnifiedCompliancePolicyProperties xmlns="http://schemas.microsoft.com/sharepoint/v3" xsi:nil="true"/>
+    <ImageTagsTaxHTField xmlns="71af3243-3dd4-4a8d-8c0d-dd76da1f02a5">
+      <Terms xmlns="http://schemas.microsoft.com/office/infopath/2007/PartnerControls"/>
+    </ImageTagsTaxHTField>
+    <TaxCatchAll xmlns="230e9df3-be65-4c73-a93b-d1236ebd677e"/>
+    <MediaServiceKeyPoints xmlns="71af3243-3dd4-4a8d-8c0d-dd76da1f02a5" xsi:nil="true"/>
+  </documentManagement>
+</p:properties>
 </file>
 
 <file path=customXml/itemProps1.xml><?xml version="1.0" encoding="utf-8"?>
-<ds:datastoreItem xmlns:ds="http://schemas.openxmlformats.org/officeDocument/2006/customXml" ds:itemID="{29C43685-694E-4579-B109-3C418D49DA65}">
+<ds:datastoreItem xmlns:ds="http://schemas.openxmlformats.org/officeDocument/2006/customXml" ds:itemID="{0FD6FE22-81A0-4500-AFD0-342D21BB9A2C}">
   <ds:schemaRefs>
-    <ds:schemaRef ds:uri="http://schemas.microsoft.com/office/2006/metadata/properties"/>
-    <ds:schemaRef ds:uri="http://schemas.microsoft.com/office/infopath/2007/PartnerControls"/>
-    <ds:schemaRef ds:uri="http://schemas.microsoft.com/sharepoint/v3"/>
-    <ds:schemaRef ds:uri="71af3243-3dd4-4a8d-8c0d-dd76da1f02a5"/>
-    <ds:schemaRef ds:uri="230e9df3-be65-4c73-a93b-d1236ebd677e"/>
+    <ds:schemaRef ds:uri="http://schemas.microsoft.com/sharepoint/v3/contenttype/forms"/>
   </ds:schemaRefs>
 </ds:datastoreItem>
 </file>
@@ -13980,9 +14307,13 @@
 </file>
 
 <file path=customXml/itemProps3.xml><?xml version="1.0" encoding="utf-8"?>
-<ds:datastoreItem xmlns:ds="http://schemas.openxmlformats.org/officeDocument/2006/customXml" ds:itemID="{0FD6FE22-81A0-4500-AFD0-342D21BB9A2C}">
+<ds:datastoreItem xmlns:ds="http://schemas.openxmlformats.org/officeDocument/2006/customXml" ds:itemID="{29C43685-694E-4579-B109-3C418D49DA65}">
   <ds:schemaRefs>
-    <ds:schemaRef ds:uri="http://schemas.microsoft.com/sharepoint/v3/contenttype/forms"/>
+    <ds:schemaRef ds:uri="http://schemas.microsoft.com/office/2006/metadata/properties"/>
+    <ds:schemaRef ds:uri="http://schemas.microsoft.com/office/infopath/2007/PartnerControls"/>
+    <ds:schemaRef ds:uri="http://schemas.microsoft.com/sharepoint/v3"/>
+    <ds:schemaRef ds:uri="71af3243-3dd4-4a8d-8c0d-dd76da1f02a5"/>
+    <ds:schemaRef ds:uri="230e9df3-be65-4c73-a93b-d1236ebd677e"/>
   </ds:schemaRefs>
 </ds:datastoreItem>
 </file>
